--- a/Documentation/4 - Suivi projet/Point_Equipe_2015-08-10.pptx
+++ b/Documentation/4 - Suivi projet/Point_Equipe_2015-08-10.pptx
@@ -5,7 +5,7 @@
     <p:sldMasterId id="2147483660" r:id="rId1"/>
   </p:sldMasterIdLst>
   <p:notesMasterIdLst>
-    <p:notesMasterId r:id="rId11"/>
+    <p:notesMasterId r:id="rId10"/>
   </p:notesMasterIdLst>
   <p:sldIdLst>
     <p:sldId id="301" r:id="rId2"/>
@@ -15,8 +15,7 @@
     <p:sldId id="402" r:id="rId6"/>
     <p:sldId id="397" r:id="rId7"/>
     <p:sldId id="401" r:id="rId8"/>
-    <p:sldId id="403" r:id="rId9"/>
-    <p:sldId id="361" r:id="rId10"/>
+    <p:sldId id="361" r:id="rId9"/>
   </p:sldIdLst>
   <p:sldSz cx="9144000" cy="6858000" type="screen4x3"/>
   <p:notesSz cx="6797675" cy="9926638"/>
@@ -217,7 +216,7 @@
             <a:fld id="{E52630F6-BB7E-4BB0-B3A1-C739EB574077}" type="datetimeFigureOut">
               <a:rPr lang="fr-FR" smtClean="0"/>
               <a:pPr/>
-              <a:t>06/08/2015</a:t>
+              <a:t>10/08/2015</a:t>
             </a:fld>
             <a:endParaRPr lang="fr-FR"/>
           </a:p>
@@ -1156,91 +1155,6 @@
     </p:spTree>
     <p:extLst>
       <p:ext uri="{BB962C8B-B14F-4D97-AF65-F5344CB8AC3E}">
-        <p14:creationId xmlns:p14="http://schemas.microsoft.com/office/powerpoint/2010/main" val="1965225246"/>
-      </p:ext>
-    </p:extLst>
-  </p:cSld>
-  <p:clrMapOvr>
-    <a:masterClrMapping/>
-  </p:clrMapOvr>
-</p:notes>
-</file>
-
-<file path=ppt/notesSlides/notesSlide9.xml><?xml version="1.0" encoding="utf-8"?>
-<p:notes xmlns:a="http://schemas.openxmlformats.org/drawingml/2006/main" xmlns:r="http://schemas.openxmlformats.org/officeDocument/2006/relationships" xmlns:p="http://schemas.openxmlformats.org/presentationml/2006/main">
-  <p:cSld>
-    <p:spTree>
-      <p:nvGrpSpPr>
-        <p:cNvPr id="1" name=""/>
-        <p:cNvGrpSpPr/>
-        <p:nvPr/>
-      </p:nvGrpSpPr>
-      <p:grpSpPr>
-        <a:xfrm>
-          <a:off x="0" y="0"/>
-          <a:ext cx="0" cy="0"/>
-          <a:chOff x="0" y="0"/>
-          <a:chExt cx="0" cy="0"/>
-        </a:xfrm>
-      </p:grpSpPr>
-      <p:sp>
-        <p:nvSpPr>
-          <p:cNvPr id="2" name="Espace réservé de l'image des diapositives 1"/>
-          <p:cNvSpPr>
-            <a:spLocks noGrp="1" noRot="1" noChangeAspect="1"/>
-          </p:cNvSpPr>
-          <p:nvPr>
-            <p:ph type="sldImg"/>
-          </p:nvPr>
-        </p:nvSpPr>
-        <p:spPr/>
-      </p:sp>
-      <p:sp>
-        <p:nvSpPr>
-          <p:cNvPr id="3" name="Espace réservé des commentaires 2"/>
-          <p:cNvSpPr>
-            <a:spLocks noGrp="1"/>
-          </p:cNvSpPr>
-          <p:nvPr>
-            <p:ph type="body" idx="1"/>
-          </p:nvPr>
-        </p:nvSpPr>
-        <p:spPr/>
-        <p:txBody>
-          <a:bodyPr/>
-          <a:lstStyle/>
-          <a:p>
-            <a:endParaRPr lang="fr-FR"/>
-          </a:p>
-        </p:txBody>
-      </p:sp>
-      <p:sp>
-        <p:nvSpPr>
-          <p:cNvPr id="4" name="Espace réservé du numéro de diapositive 3"/>
-          <p:cNvSpPr>
-            <a:spLocks noGrp="1"/>
-          </p:cNvSpPr>
-          <p:nvPr>
-            <p:ph type="sldNum" sz="quarter" idx="10"/>
-          </p:nvPr>
-        </p:nvSpPr>
-        <p:spPr/>
-        <p:txBody>
-          <a:bodyPr/>
-          <a:lstStyle/>
-          <a:p>
-            <a:fld id="{0C080E5F-76A7-426C-8874-1B043B738D2C}" type="slidenum">
-              <a:rPr lang="fr-FR" smtClean="0"/>
-              <a:pPr/>
-              <a:t>9</a:t>
-            </a:fld>
-            <a:endParaRPr lang="fr-FR"/>
-          </a:p>
-        </p:txBody>
-      </p:sp>
-    </p:spTree>
-    <p:extLst>
-      <p:ext uri="{BB962C8B-B14F-4D97-AF65-F5344CB8AC3E}">
         <p14:creationId xmlns:p14="http://schemas.microsoft.com/office/powerpoint/2010/main" val="447969412"/>
       </p:ext>
     </p:extLst>
@@ -1446,7 +1360,7 @@
                 </a:solidFill>
               </a:rPr>
               <a:pPr/>
-              <a:t>06/08/2015</a:t>
+              <a:t>10/08/2015</a:t>
             </a:fld>
             <a:endParaRPr lang="fr-FR" b="1" dirty="0">
               <a:solidFill>
@@ -1720,7 +1634,7 @@
             <a:fld id="{CE5A5207-E07B-4FCF-99F6-F8833A3BB3D7}" type="datetime1">
               <a:rPr lang="fr-FR" smtClean="0"/>
               <a:pPr/>
-              <a:t>06/08/2015</a:t>
+              <a:t>10/08/2015</a:t>
             </a:fld>
             <a:endParaRPr lang="fr-FR"/>
           </a:p>
@@ -1902,7 +1816,7 @@
             <a:fld id="{D68965C6-0898-43EA-9A99-A4039BB22876}" type="datetime1">
               <a:rPr lang="fr-FR" smtClean="0"/>
               <a:pPr/>
-              <a:t>06/08/2015</a:t>
+              <a:t>10/08/2015</a:t>
             </a:fld>
             <a:endParaRPr lang="fr-FR"/>
           </a:p>
@@ -2074,7 +1988,7 @@
             <a:fld id="{94B2F636-2596-4D20-BE75-DC7667EB0908}" type="datetime1">
               <a:rPr lang="fr-FR" smtClean="0"/>
               <a:pPr/>
-              <a:t>06/08/2015</a:t>
+              <a:t>10/08/2015</a:t>
             </a:fld>
             <a:endParaRPr lang="fr-FR"/>
           </a:p>
@@ -2322,7 +2236,7 @@
             <a:fld id="{3941AF55-5B35-49D2-89B7-6A012C2F0023}" type="datetime1">
               <a:rPr lang="fr-FR" smtClean="0"/>
               <a:pPr/>
-              <a:t>06/08/2015</a:t>
+              <a:t>10/08/2015</a:t>
             </a:fld>
             <a:endParaRPr lang="fr-FR"/>
           </a:p>
@@ -2612,7 +2526,7 @@
             <a:fld id="{B36C4D42-2F73-4BB2-8416-8B3A3DDD3EE7}" type="datetime1">
               <a:rPr lang="fr-FR" smtClean="0"/>
               <a:pPr/>
-              <a:t>06/08/2015</a:t>
+              <a:t>10/08/2015</a:t>
             </a:fld>
             <a:endParaRPr lang="fr-FR"/>
           </a:p>
@@ -3036,7 +2950,7 @@
             <a:fld id="{E456F79D-CD5D-4224-B1FA-5F7F3BAA4104}" type="datetime1">
               <a:rPr lang="fr-FR" smtClean="0"/>
               <a:pPr/>
-              <a:t>06/08/2015</a:t>
+              <a:t>10/08/2015</a:t>
             </a:fld>
             <a:endParaRPr lang="fr-FR"/>
           </a:p>
@@ -3156,7 +3070,7 @@
             <a:fld id="{0E910143-4D2C-4FF6-B0A6-06989F9BDBAC}" type="datetime1">
               <a:rPr lang="fr-FR" smtClean="0"/>
               <a:pPr/>
-              <a:t>06/08/2015</a:t>
+              <a:t>10/08/2015</a:t>
             </a:fld>
             <a:endParaRPr lang="fr-FR"/>
           </a:p>
@@ -3253,7 +3167,7 @@
             <a:fld id="{1E0A4A73-C55A-4735-A06F-415E5CC28EBA}" type="datetime1">
               <a:rPr lang="fr-FR" smtClean="0"/>
               <a:pPr/>
-              <a:t>06/08/2015</a:t>
+              <a:t>10/08/2015</a:t>
             </a:fld>
             <a:endParaRPr lang="fr-FR"/>
           </a:p>
@@ -3532,7 +3446,7 @@
             <a:fld id="{B73FC597-E398-43B4-BDF9-08A9085F6959}" type="datetime1">
               <a:rPr lang="fr-FR" smtClean="0"/>
               <a:pPr/>
-              <a:t>06/08/2015</a:t>
+              <a:t>10/08/2015</a:t>
             </a:fld>
             <a:endParaRPr lang="fr-FR"/>
           </a:p>
@@ -3787,7 +3701,7 @@
             <a:fld id="{D6C9D74D-BD35-47D9-98F8-EE91FA02EBB2}" type="datetime1">
               <a:rPr lang="fr-FR" smtClean="0"/>
               <a:pPr/>
-              <a:t>06/08/2015</a:t>
+              <a:t>10/08/2015</a:t>
             </a:fld>
             <a:endParaRPr lang="fr-FR"/>
           </a:p>
@@ -4002,7 +3916,7 @@
             <a:fld id="{C8E6BC2D-0CAC-4C60-B0A8-88D3FE659C6F}" type="datetime1">
               <a:rPr lang="fr-FR" smtClean="0"/>
               <a:pPr/>
-              <a:t>06/08/2015</a:t>
+              <a:t>10/08/2015</a:t>
             </a:fld>
             <a:endParaRPr lang="fr-FR"/>
           </a:p>
@@ -4714,7 +4628,7 @@
             <a:pPr algn="ctr"/>
             <a:r>
               <a:rPr lang="fr-FR" sz="4000" dirty="0" smtClean="0"/>
-              <a:t>06/08/2015</a:t>
+              <a:t>10/08/2015</a:t>
             </a:r>
             <a:endParaRPr lang="fr-FR" sz="4000" dirty="0"/>
           </a:p>
@@ -4877,7 +4791,7 @@
           <p:nvPr>
             <p:extLst>
               <p:ext uri="{D42A27DB-BD31-4B8C-83A1-F6EECF244321}">
-                <p14:modId xmlns:p14="http://schemas.microsoft.com/office/powerpoint/2010/main" val="3472388323"/>
+                <p14:modId xmlns:p14="http://schemas.microsoft.com/office/powerpoint/2010/main" val="1050190970"/>
               </p:ext>
             </p:extLst>
           </p:nvPr>
@@ -5028,6 +4942,10 @@
                     <a:lstStyle/>
                     <a:p>
                       <a:pPr algn="ctr"/>
+                      <a:r>
+                        <a:rPr lang="fr-FR" dirty="0" smtClean="0"/>
+                        <a:t>x</a:t>
+                      </a:r>
                       <a:endParaRPr lang="fr-FR" dirty="0"/>
                     </a:p>
                   </a:txBody>
@@ -5175,7 +5093,7 @@
           <p:nvPr>
             <p:extLst>
               <p:ext uri="{D42A27DB-BD31-4B8C-83A1-F6EECF244321}">
-                <p14:modId xmlns:p14="http://schemas.microsoft.com/office/powerpoint/2010/main" val="94536785"/>
+                <p14:modId xmlns:p14="http://schemas.microsoft.com/office/powerpoint/2010/main" val="2500248103"/>
               </p:ext>
             </p:extLst>
           </p:nvPr>
@@ -5440,8 +5358,20 @@
                         <a:defRPr/>
                       </a:pPr>
                       <a:r>
-                        <a:rPr lang="fr-FR" sz="1400" b="0" dirty="0" smtClean="0"/>
-                        <a:t>10 / 08 / 2015</a:t>
+                        <a:rPr lang="fr-FR" sz="1400" b="1" dirty="0" smtClean="0">
+                          <a:solidFill>
+                            <a:srgbClr val="FF0000"/>
+                          </a:solidFill>
+                        </a:rPr>
+                        <a:t>13 </a:t>
+                      </a:r>
+                      <a:r>
+                        <a:rPr lang="fr-FR" sz="1400" b="1" dirty="0" smtClean="0">
+                          <a:solidFill>
+                            <a:srgbClr val="FF0000"/>
+                          </a:solidFill>
+                        </a:rPr>
+                        <a:t>/ 08 / 2015</a:t>
                       </a:r>
                     </a:p>
                   </a:txBody>
@@ -5471,10 +5401,26 @@
                     <a:p>
                       <a:pPr algn="ctr"/>
                       <a:r>
-                        <a:rPr lang="fr-FR" sz="1400" b="0" dirty="0" smtClean="0"/>
-                        <a:t>13 / 08 / 2015</a:t>
-                      </a:r>
-                      <a:endParaRPr lang="fr-FR" sz="1400" b="0" dirty="0"/>
+                        <a:rPr lang="fr-FR" sz="1400" b="1" dirty="0" smtClean="0">
+                          <a:solidFill>
+                            <a:srgbClr val="FF0000"/>
+                          </a:solidFill>
+                        </a:rPr>
+                        <a:t>16 </a:t>
+                      </a:r>
+                      <a:r>
+                        <a:rPr lang="fr-FR" sz="1400" b="1" dirty="0" smtClean="0">
+                          <a:solidFill>
+                            <a:srgbClr val="FF0000"/>
+                          </a:solidFill>
+                        </a:rPr>
+                        <a:t>/ 08 / 2015</a:t>
+                      </a:r>
+                      <a:endParaRPr lang="fr-FR" sz="1400" b="1" dirty="0">
+                        <a:solidFill>
+                          <a:srgbClr val="FF0000"/>
+                        </a:solidFill>
+                      </a:endParaRPr>
                     </a:p>
                   </a:txBody>
                   <a:tcPr anchor="ctr"/>
@@ -5502,8 +5448,20 @@
                         <a:defRPr/>
                       </a:pPr>
                       <a:r>
-                        <a:rPr lang="fr-FR" sz="1400" b="0" dirty="0" smtClean="0"/>
-                        <a:t>13 / 08 / 2015</a:t>
+                        <a:rPr lang="fr-FR" sz="1400" b="1" dirty="0" smtClean="0">
+                          <a:solidFill>
+                            <a:srgbClr val="FF0000"/>
+                          </a:solidFill>
+                        </a:rPr>
+                        <a:t>16 </a:t>
+                      </a:r>
+                      <a:r>
+                        <a:rPr lang="fr-FR" sz="1400" b="1" dirty="0" smtClean="0">
+                          <a:solidFill>
+                            <a:srgbClr val="FF0000"/>
+                          </a:solidFill>
+                        </a:rPr>
+                        <a:t>/ 08 / 2015</a:t>
                       </a:r>
                     </a:p>
                   </a:txBody>
@@ -5733,8 +5691,8 @@
         </p:nvSpPr>
         <p:spPr>
           <a:xfrm>
-            <a:off x="4355976" y="1916832"/>
-            <a:ext cx="3744416" cy="1080120"/>
+            <a:off x="4355976" y="2492896"/>
+            <a:ext cx="3744416" cy="1008112"/>
           </a:xfrm>
           <a:prstGeom prst="rect">
             <a:avLst/>
@@ -5779,7 +5737,7 @@
         </p:nvSpPr>
         <p:spPr>
           <a:xfrm>
-            <a:off x="323528" y="5621759"/>
+            <a:off x="27032" y="5589240"/>
             <a:ext cx="8208912" cy="307777"/>
           </a:xfrm>
           <a:prstGeom prst="rect">
@@ -5808,27 +5766,7 @@
           <a:p>
             <a:r>
               <a:rPr lang="fr-FR" sz="1400" b="1" dirty="0" smtClean="0"/>
-              <a:t>Bernard</a:t>
-            </a:r>
-            <a:r>
-              <a:rPr lang="fr-FR" sz="1400" dirty="0" smtClean="0"/>
-              <a:t> : Va mettre sous </a:t>
-            </a:r>
-            <a:r>
-              <a:rPr lang="fr-FR" sz="1400" dirty="0" err="1" smtClean="0"/>
-              <a:t>GitHub</a:t>
-            </a:r>
-            <a:r>
-              <a:rPr lang="fr-FR" sz="1400" dirty="0" smtClean="0"/>
-              <a:t> les 5 </a:t>
-            </a:r>
-            <a:r>
-              <a:rPr lang="fr-FR" sz="1400" dirty="0" err="1" smtClean="0"/>
-              <a:t>requetes</a:t>
-            </a:r>
-            <a:r>
-              <a:rPr lang="fr-FR" sz="1400" dirty="0" smtClean="0"/>
-              <a:t> MDX, et 2 reports complets</a:t>
+              <a:t>Olivier : Demander avancement @ Bernard par mail</a:t>
             </a:r>
             <a:endParaRPr lang="fr-FR" sz="1400" b="1" dirty="0" smtClean="0"/>
           </a:p>
@@ -5880,14 +5818,14 @@
           <p:nvPr>
             <p:extLst>
               <p:ext uri="{D42A27DB-BD31-4B8C-83A1-F6EECF244321}">
-                <p14:modId xmlns:p14="http://schemas.microsoft.com/office/powerpoint/2010/main" val="286121981"/>
+                <p14:modId xmlns:p14="http://schemas.microsoft.com/office/powerpoint/2010/main" val="1888801787"/>
               </p:ext>
             </p:extLst>
           </p:nvPr>
         </p:nvGraphicFramePr>
         <p:xfrm>
           <a:off x="755576" y="1196752"/>
-          <a:ext cx="7848872" cy="3010238"/>
+          <a:ext cx="7848872" cy="3852505"/>
         </p:xfrm>
         <a:graphic>
           <a:graphicData uri="http://schemas.openxmlformats.org/drawingml/2006/table">
@@ -5961,7 +5899,7 @@
                       </a:pPr>
                       <a:r>
                         <a:rPr lang="fr-FR" sz="1400" b="0" baseline="0" dirty="0" smtClean="0"/>
-                        <a:t>5 requêtes MDX et 2 reports</a:t>
+                        <a:t>?</a:t>
                       </a:r>
                       <a:endParaRPr lang="fr-FR" sz="1400" b="0" dirty="0" smtClean="0"/>
                     </a:p>
@@ -5983,7 +5921,14 @@
                       <a:pPr algn="l"/>
                       <a:r>
                         <a:rPr lang="fr-FR" sz="1400" b="0" baseline="0" dirty="0" smtClean="0"/>
-                        <a:t>5 requêtes MDX </a:t>
+                        <a:t>5 requêtes MDX</a:t>
+                      </a:r>
+                    </a:p>
+                    <a:p>
+                      <a:pPr algn="l"/>
+                      <a:r>
+                        <a:rPr lang="fr-FR" sz="1400" b="0" baseline="0" dirty="0" smtClean="0"/>
+                        <a:t>3 reports</a:t>
                       </a:r>
                       <a:endParaRPr lang="fr-FR" sz="1400" b="0" dirty="0" smtClean="0"/>
                     </a:p>
@@ -6000,11 +5945,7 @@
                       <a:pPr algn="l"/>
                       <a:r>
                         <a:rPr lang="fr-FR" sz="1400" b="1" u="sng" dirty="0" smtClean="0"/>
-                        <a:t>A faire </a:t>
-                      </a:r>
-                      <a:r>
-                        <a:rPr lang="fr-FR" sz="1400" b="1" u="sng" dirty="0" smtClean="0"/>
-                        <a:t>?</a:t>
+                        <a:t>A faire ?</a:t>
                       </a:r>
                     </a:p>
                     <a:p>
@@ -6013,7 +5954,6 @@
                         <a:rPr lang="fr-FR" sz="1400" b="0" u="none" dirty="0" smtClean="0"/>
                         <a:t>3 derniers reports, et (Idéalement) des graphs sur les reports</a:t>
                       </a:r>
-                      <a:endParaRPr lang="fr-FR" sz="1400" b="0" u="none" dirty="0" smtClean="0"/>
                     </a:p>
                   </a:txBody>
                   <a:tcPr/>
@@ -6032,31 +5972,39 @@
                     <a:p>
                       <a:pPr algn="l"/>
                       <a:r>
-                        <a:rPr lang="fr-FR" sz="1400" b="0" dirty="0" smtClean="0">
-                          <a:solidFill>
-                            <a:schemeClr val="tx1"/>
-                          </a:solidFill>
-                        </a:rPr>
-                        <a:t>Modifier</a:t>
-                      </a:r>
-                      <a:r>
                         <a:rPr lang="fr-FR" sz="1400" b="0" baseline="0" dirty="0" smtClean="0">
                           <a:solidFill>
                             <a:schemeClr val="tx1"/>
                           </a:solidFill>
                         </a:rPr>
-                        <a:t> les requêtes</a:t>
-                      </a:r>
-                    </a:p>
-                    <a:p>
-                      <a:pPr algn="l"/>
+                        <a:t>Faire </a:t>
+                      </a:r>
                       <a:r>
                         <a:rPr lang="fr-FR" sz="1400" b="0" baseline="0" dirty="0" smtClean="0">
                           <a:solidFill>
                             <a:schemeClr val="tx1"/>
                           </a:solidFill>
                         </a:rPr>
-                        <a:t>Faire les 5 reports</a:t>
+                        <a:t>les </a:t>
+                      </a:r>
+                      <a:r>
+                        <a:rPr lang="fr-FR" sz="1400" b="0" baseline="0" dirty="0" smtClean="0">
+                          <a:solidFill>
+                            <a:schemeClr val="tx1"/>
+                          </a:solidFill>
+                        </a:rPr>
+                        <a:t>2 reports restants</a:t>
+                      </a:r>
+                    </a:p>
+                    <a:p>
+                      <a:pPr algn="l"/>
+                      <a:r>
+                        <a:rPr lang="fr-FR" sz="1400" b="0" baseline="0" dirty="0" smtClean="0">
+                          <a:solidFill>
+                            <a:schemeClr val="tx1"/>
+                          </a:solidFill>
+                        </a:rPr>
+                        <a:t>Modifier requêtes MDX des taux de percé</a:t>
                       </a:r>
                       <a:endParaRPr lang="fr-FR" sz="1400" b="0" dirty="0" smtClean="0">
                         <a:solidFill>
@@ -6088,9 +6036,8 @@
                       <a:pPr algn="l"/>
                       <a:r>
                         <a:rPr lang="fr-FR" sz="1400" b="0" u="none" baseline="0" dirty="0" smtClean="0"/>
-                        <a:t>-</a:t>
-                      </a:r>
-                      <a:endParaRPr lang="fr-FR" sz="1400" b="0" u="none" baseline="0" dirty="0" smtClean="0"/>
+                        <a:t>?</a:t>
+                      </a:r>
                     </a:p>
                   </a:txBody>
                   <a:tcPr/>
@@ -6114,11 +6061,18 @@
                       <a:pPr algn="l"/>
                       <a:r>
                         <a:rPr lang="fr-FR" sz="1400" b="0" baseline="0" dirty="0" smtClean="0"/>
-                        <a:t>A voir si la nouvelle structure du cube solutionne le </a:t>
-                      </a:r>
-                      <a:r>
-                        <a:rPr lang="fr-FR" sz="1400" b="0" baseline="0" dirty="0" err="1" smtClean="0"/>
-                        <a:t>pb</a:t>
+                        <a:t>Pb de connexion avec SSRS, depuis SSMS (Faire des  ? Mais OK sous SSDT =&gt; A regarder mais pas bloquant</a:t>
+                      </a:r>
+                    </a:p>
+                    <a:p>
+                      <a:pPr algn="l"/>
+                      <a:r>
+                        <a:rPr lang="fr-FR" sz="1400" b="1" baseline="0" dirty="0" smtClean="0"/>
+                        <a:t>Reports</a:t>
+                      </a:r>
+                      <a:r>
+                        <a:rPr lang="fr-FR" sz="1400" b="0" baseline="0" dirty="0" smtClean="0"/>
+                        <a:t> : Thomas OK sous SSDT, même manip que les cubes</a:t>
                       </a:r>
                       <a:endParaRPr lang="fr-FR" sz="1400" b="0" baseline="0" dirty="0" smtClean="0"/>
                     </a:p>
@@ -6158,9 +6112,8 @@
                       </a:pPr>
                       <a:r>
                         <a:rPr lang="fr-FR" sz="1400" b="0" baseline="0" dirty="0" smtClean="0"/>
-                        <a:t>Valeurs NULL</a:t>
-                      </a:r>
-                      <a:endParaRPr lang="fr-FR" sz="1400" b="0" baseline="0" dirty="0" smtClean="0"/>
+                        <a:t>?</a:t>
+                      </a:r>
                     </a:p>
                   </a:txBody>
                   <a:tcPr/>
@@ -6196,9 +6149,8 @@
                       </a:pPr>
                       <a:r>
                         <a:rPr lang="fr-FR" sz="1400" b="0" baseline="0" dirty="0" smtClean="0"/>
-                        <a:t>-</a:t>
-                      </a:r>
-                      <a:endParaRPr lang="fr-FR" sz="1400" b="0" baseline="0" dirty="0" smtClean="0"/>
+                        <a:t>?</a:t>
+                      </a:r>
                     </a:p>
                   </a:txBody>
                   <a:tcPr/>
@@ -6217,7 +6169,7 @@
         <p:spPr>
           <a:xfrm>
             <a:off x="611560" y="620688"/>
-            <a:ext cx="5149487" cy="369332"/>
+            <a:ext cx="5144678" cy="369332"/>
           </a:xfrm>
           <a:prstGeom prst="rect">
             <a:avLst/>
@@ -6239,7 +6191,11 @@
             </a:pPr>
             <a:r>
               <a:rPr lang="fr-FR" b="1" dirty="0" smtClean="0"/>
-              <a:t>Tâches jusqu’au prochain point du lundi 10/08/2015</a:t>
+              <a:t>Tâches jusqu’au prochain point du </a:t>
+            </a:r>
+            <a:r>
+              <a:rPr lang="fr-FR" b="1" dirty="0" smtClean="0"/>
+              <a:t>jeudi 13/08/2015</a:t>
             </a:r>
             <a:endParaRPr lang="fr-FR" sz="1400" b="1" u="sng" dirty="0" smtClean="0"/>
           </a:p>
@@ -6418,7 +6374,7 @@
           <p:nvPr>
             <p:extLst>
               <p:ext uri="{D42A27DB-BD31-4B8C-83A1-F6EECF244321}">
-                <p14:modId xmlns:p14="http://schemas.microsoft.com/office/powerpoint/2010/main" val="1166537258"/>
+                <p14:modId xmlns:p14="http://schemas.microsoft.com/office/powerpoint/2010/main" val="3777773138"/>
               </p:ext>
             </p:extLst>
           </p:nvPr>
@@ -6619,10 +6575,26 @@
                     <a:p>
                       <a:pPr algn="ctr"/>
                       <a:r>
-                        <a:rPr lang="fr-FR" sz="1400" b="0" dirty="0" smtClean="0"/>
-                        <a:t>10 / 08 / 2015</a:t>
-                      </a:r>
-                      <a:endParaRPr lang="fr-FR" sz="1400" b="0" dirty="0"/>
+                        <a:rPr lang="fr-FR" sz="1400" b="1" dirty="0" smtClean="0">
+                          <a:solidFill>
+                            <a:srgbClr val="FF0000"/>
+                          </a:solidFill>
+                        </a:rPr>
+                        <a:t>17 </a:t>
+                      </a:r>
+                      <a:r>
+                        <a:rPr lang="fr-FR" sz="1400" b="1" dirty="0" smtClean="0">
+                          <a:solidFill>
+                            <a:srgbClr val="FF0000"/>
+                          </a:solidFill>
+                        </a:rPr>
+                        <a:t>/ 08 / 2015</a:t>
+                      </a:r>
+                      <a:endParaRPr lang="fr-FR" sz="1400" b="1" dirty="0">
+                        <a:solidFill>
+                          <a:srgbClr val="FF0000"/>
+                        </a:solidFill>
+                      </a:endParaRPr>
                     </a:p>
                   </a:txBody>
                   <a:tcPr anchor="ctr"/>
@@ -6650,8 +6622,20 @@
                         <a:defRPr/>
                       </a:pPr>
                       <a:r>
-                        <a:rPr lang="fr-FR" sz="1400" b="0" dirty="0" smtClean="0"/>
-                        <a:t>10 / 08 / 2015</a:t>
+                        <a:rPr lang="fr-FR" sz="1400" b="1" dirty="0" smtClean="0">
+                          <a:solidFill>
+                            <a:srgbClr val="FF0000"/>
+                          </a:solidFill>
+                        </a:rPr>
+                        <a:t>17 </a:t>
+                      </a:r>
+                      <a:r>
+                        <a:rPr lang="fr-FR" sz="1400" b="1" dirty="0" smtClean="0">
+                          <a:solidFill>
+                            <a:srgbClr val="FF0000"/>
+                          </a:solidFill>
+                        </a:rPr>
+                        <a:t>/ 08 / 2015</a:t>
                       </a:r>
                     </a:p>
                   </a:txBody>
@@ -6680,8 +6664,20 @@
                         <a:defRPr/>
                       </a:pPr>
                       <a:r>
-                        <a:rPr lang="fr-FR" sz="1400" b="0" dirty="0" smtClean="0"/>
-                        <a:t>10 / 08 / 2015</a:t>
+                        <a:rPr lang="fr-FR" sz="1400" b="1" dirty="0" smtClean="0">
+                          <a:solidFill>
+                            <a:srgbClr val="FF0000"/>
+                          </a:solidFill>
+                        </a:rPr>
+                        <a:t>17 </a:t>
+                      </a:r>
+                      <a:r>
+                        <a:rPr lang="fr-FR" sz="1400" b="1" dirty="0" smtClean="0">
+                          <a:solidFill>
+                            <a:srgbClr val="FF0000"/>
+                          </a:solidFill>
+                        </a:rPr>
+                        <a:t>/ 08 / 2015</a:t>
                       </a:r>
                     </a:p>
                   </a:txBody>
@@ -6711,10 +6707,10 @@
                     <a:p>
                       <a:pPr algn="ctr"/>
                       <a:r>
-                        <a:rPr lang="fr-FR" sz="1400" b="0" dirty="0" smtClean="0"/>
+                        <a:rPr lang="fr-FR" sz="1400" b="1" dirty="0" smtClean="0"/>
                         <a:t>13 / 08 / 2015</a:t>
                       </a:r>
-                      <a:endParaRPr lang="fr-FR" sz="1400" b="0" dirty="0"/>
+                      <a:endParaRPr lang="fr-FR" sz="1400" b="1" dirty="0"/>
                     </a:p>
                   </a:txBody>
                   <a:tcPr anchor="ctr"/>
@@ -6742,7 +6738,7 @@
                         <a:defRPr/>
                       </a:pPr>
                       <a:r>
-                        <a:rPr lang="fr-FR" sz="1400" b="0" dirty="0" smtClean="0"/>
+                        <a:rPr lang="fr-FR" sz="1400" b="1" dirty="0" smtClean="0"/>
                         <a:t>13 / 08 / 2015</a:t>
                       </a:r>
                     </a:p>
@@ -6772,7 +6768,7 @@
                         <a:defRPr/>
                       </a:pPr>
                       <a:r>
-                        <a:rPr lang="fr-FR" sz="1400" b="0" dirty="0" smtClean="0"/>
+                        <a:rPr lang="fr-FR" sz="1400" b="1" dirty="0" smtClean="0"/>
                         <a:t>13 / 08 / 2015</a:t>
                       </a:r>
                     </a:p>
@@ -6819,15 +6815,15 @@
                         <a:defRPr/>
                       </a:pPr>
                       <a:r>
-                        <a:rPr lang="fr-FR" sz="1400" b="0" dirty="0" smtClean="0"/>
+                        <a:rPr lang="fr-FR" sz="1400" b="1" dirty="0" smtClean="0"/>
                         <a:t>20</a:t>
                       </a:r>
                       <a:r>
-                        <a:rPr lang="fr-FR" sz="1400" b="0" baseline="0" dirty="0" smtClean="0"/>
+                        <a:rPr lang="fr-FR" sz="1400" b="1" baseline="0" dirty="0" smtClean="0"/>
                         <a:t> </a:t>
                       </a:r>
                       <a:r>
-                        <a:rPr lang="fr-FR" sz="1400" b="0" dirty="0" smtClean="0"/>
+                        <a:rPr lang="fr-FR" sz="1400" b="1" dirty="0" smtClean="0"/>
                         <a:t>/ 08 / 2015</a:t>
                       </a:r>
                     </a:p>
@@ -6857,7 +6853,7 @@
                         <a:defRPr/>
                       </a:pPr>
                       <a:r>
-                        <a:rPr lang="fr-FR" sz="1400" b="0" dirty="0" smtClean="0"/>
+                        <a:rPr lang="fr-FR" sz="1400" b="1" dirty="0" smtClean="0"/>
                         <a:t>20 / 08 / 2015</a:t>
                       </a:r>
                     </a:p>
@@ -6887,7 +6883,7 @@
                         <a:defRPr/>
                       </a:pPr>
                       <a:r>
-                        <a:rPr lang="fr-FR" sz="1400" b="0" dirty="0" smtClean="0"/>
+                        <a:rPr lang="fr-FR" sz="1400" b="1" dirty="0" smtClean="0"/>
                         <a:t>21 / 08 / 2015</a:t>
                       </a:r>
                     </a:p>
@@ -6940,7 +6936,7 @@
                         <a:defRPr/>
                       </a:pPr>
                       <a:r>
-                        <a:rPr lang="fr-FR" sz="1400" b="0" dirty="0" smtClean="0"/>
+                        <a:rPr lang="fr-FR" sz="1400" b="1" dirty="0" smtClean="0"/>
                         <a:t>24 / 08 / 2015</a:t>
                       </a:r>
                     </a:p>
@@ -6970,7 +6966,7 @@
                         <a:defRPr/>
                       </a:pPr>
                       <a:r>
-                        <a:rPr lang="fr-FR" sz="1400" b="0" dirty="0" smtClean="0"/>
+                        <a:rPr lang="fr-FR" sz="1400" b="1" dirty="0" smtClean="0"/>
                         <a:t>24 / 08 / 2015</a:t>
                       </a:r>
                     </a:p>
@@ -7000,7 +6996,7 @@
                         <a:defRPr/>
                       </a:pPr>
                       <a:r>
-                        <a:rPr lang="fr-FR" sz="1400" b="0" dirty="0" smtClean="0"/>
+                        <a:rPr lang="fr-FR" sz="1400" b="1" dirty="0" smtClean="0"/>
                         <a:t>24 / 08 / 2015</a:t>
                       </a:r>
                     </a:p>
@@ -7064,7 +7060,7 @@
         <p:spPr>
           <a:xfrm>
             <a:off x="2699792" y="2780928"/>
-            <a:ext cx="5544616" cy="504056"/>
+            <a:ext cx="5544616" cy="1080120"/>
           </a:xfrm>
           <a:prstGeom prst="rect">
             <a:avLst/>
@@ -7190,7 +7186,7 @@
           <p:nvPr>
             <p:extLst>
               <p:ext uri="{D42A27DB-BD31-4B8C-83A1-F6EECF244321}">
-                <p14:modId xmlns:p14="http://schemas.microsoft.com/office/powerpoint/2010/main" val="2376836342"/>
+                <p14:modId xmlns:p14="http://schemas.microsoft.com/office/powerpoint/2010/main" val="655633624"/>
               </p:ext>
             </p:extLst>
           </p:nvPr>
@@ -7275,7 +7271,7 @@
                       <a:pPr algn="l"/>
                       <a:r>
                         <a:rPr lang="fr-FR" sz="1400" b="0" dirty="0" smtClean="0"/>
-                        <a:t>Interface UI</a:t>
+                        <a:t>-</a:t>
                       </a:r>
                       <a:endParaRPr lang="fr-FR" sz="1400" b="0" dirty="0" smtClean="0"/>
                     </a:p>
@@ -7312,144 +7308,6 @@
                         <a:defRPr/>
                       </a:pPr>
                       <a:r>
-                        <a:rPr lang="fr-FR" sz="1400" b="0" dirty="0" err="1" smtClean="0">
-                          <a:solidFill>
-                            <a:schemeClr val="dk1"/>
-                          </a:solidFill>
-                        </a:rPr>
-                        <a:t>Algo</a:t>
-                      </a:r>
-                      <a:r>
-                        <a:rPr lang="fr-FR" sz="1400" b="0" baseline="0" dirty="0" smtClean="0">
-                          <a:solidFill>
-                            <a:schemeClr val="dk1"/>
-                          </a:solidFill>
-                        </a:rPr>
-                        <a:t> </a:t>
-                      </a:r>
-                      <a:r>
-                        <a:rPr lang="fr-FR" sz="1400" b="0" baseline="0" dirty="0" err="1" smtClean="0">
-                          <a:solidFill>
-                            <a:schemeClr val="dk1"/>
-                          </a:solidFill>
-                        </a:rPr>
-                        <a:t>Métropolis</a:t>
-                      </a:r>
-                      <a:r>
-                        <a:rPr lang="fr-FR" sz="1400" b="0" baseline="0" dirty="0" smtClean="0">
-                          <a:solidFill>
-                            <a:schemeClr val="dk1"/>
-                          </a:solidFill>
-                        </a:rPr>
-                        <a:t> fini</a:t>
-                      </a:r>
-                      <a:endParaRPr lang="fr-FR" sz="1400" b="0" dirty="0" smtClean="0">
-                        <a:solidFill>
-                          <a:schemeClr val="tx1"/>
-                        </a:solidFill>
-                      </a:endParaRPr>
-                    </a:p>
-                  </a:txBody>
-                  <a:tcPr/>
-                </a:tc>
-                <a:tc>
-                  <a:txBody>
-                    <a:bodyPr/>
-                    <a:lstStyle/>
-                    <a:p>
-                      <a:pPr algn="l"/>
-                      <a:r>
-                        <a:rPr lang="fr-FR" sz="1400" b="1" u="sng" dirty="0" smtClean="0"/>
-                        <a:t>Fait ?</a:t>
-                      </a:r>
-                    </a:p>
-                    <a:p>
-                      <a:pPr algn="l"/>
-                      <a:r>
-                        <a:rPr lang="fr-FR" sz="1400" b="0" dirty="0" smtClean="0"/>
-                        <a:t>Terminer</a:t>
-                      </a:r>
-                      <a:r>
-                        <a:rPr lang="fr-FR" sz="1400" b="0" baseline="0" dirty="0" smtClean="0"/>
-                        <a:t> le cube SSDT &gt; DIM_TEMPS</a:t>
-                      </a:r>
-                    </a:p>
-                  </a:txBody>
-                  <a:tcPr/>
-                </a:tc>
-              </a:tr>
-              <a:tr h="529333">
-                <a:tc>
-                  <a:txBody>
-                    <a:bodyPr/>
-                    <a:lstStyle/>
-                    <a:p>
-                      <a:pPr algn="l"/>
-                      <a:r>
-                        <a:rPr lang="fr-FR" sz="1400" b="1" u="sng" dirty="0" smtClean="0"/>
-                        <a:t>A faire ?</a:t>
-                      </a:r>
-                    </a:p>
-                    <a:p>
-                      <a:pPr algn="l"/>
-                      <a:r>
-                        <a:rPr lang="fr-FR" sz="1400" b="0" baseline="0" dirty="0" smtClean="0">
-                          <a:solidFill>
-                            <a:schemeClr val="tx1"/>
-                          </a:solidFill>
-                        </a:rPr>
-                        <a:t>Commit </a:t>
-                      </a:r>
-                      <a:r>
-                        <a:rPr lang="fr-FR" sz="1400" b="0" baseline="0" dirty="0" err="1" smtClean="0">
-                          <a:solidFill>
-                            <a:schemeClr val="tx1"/>
-                          </a:solidFill>
-                        </a:rPr>
-                        <a:t>GitHub</a:t>
-                      </a:r>
-                      <a:r>
-                        <a:rPr lang="fr-FR" sz="1400" b="0" baseline="0" dirty="0" smtClean="0">
-                          <a:solidFill>
-                            <a:schemeClr val="tx1"/>
-                          </a:solidFill>
-                        </a:rPr>
-                        <a:t> (VE ou SA)</a:t>
-                      </a:r>
-                    </a:p>
-                    <a:p>
-                      <a:pPr algn="l"/>
-                      <a:r>
-                        <a:rPr lang="fr-FR" sz="1400" b="0" baseline="0" dirty="0" smtClean="0">
-                          <a:solidFill>
-                            <a:schemeClr val="tx1"/>
-                          </a:solidFill>
-                        </a:rPr>
-                        <a:t>Priorité sur l’envoi du schéma d’ agrégats à SSAS</a:t>
-                      </a:r>
-                      <a:endParaRPr lang="fr-FR" sz="1400" b="0" dirty="0" smtClean="0">
-                        <a:solidFill>
-                          <a:schemeClr val="tx1"/>
-                        </a:solidFill>
-                      </a:endParaRPr>
-                    </a:p>
-                  </a:txBody>
-                  <a:tcPr/>
-                </a:tc>
-                <a:tc>
-                  <a:txBody>
-                    <a:bodyPr/>
-                    <a:lstStyle/>
-                    <a:p>
-                      <a:pPr algn="l"/>
-                      <a:r>
-                        <a:rPr lang="fr-FR" sz="1400" b="1" u="sng" dirty="0" smtClean="0"/>
-                        <a:t>A faire ?</a:t>
-                      </a:r>
-                    </a:p>
-                    <a:p>
-                      <a:pPr algn="l"/>
-                      <a:r>
                         <a:rPr lang="fr-FR" sz="1400" dirty="0" smtClean="0"/>
                         <a:t>Coder l'</a:t>
                       </a:r>
@@ -7460,208 +7318,6 @@
                       <a:r>
                         <a:rPr lang="fr-FR" sz="1400" dirty="0" smtClean="0"/>
                         <a:t> de combinaison</a:t>
-                      </a:r>
-                      <a:r>
-                        <a:rPr lang="fr-FR" sz="1400" baseline="0" dirty="0" smtClean="0"/>
-                        <a:t> + </a:t>
-                      </a:r>
-                      <a:r>
-                        <a:rPr lang="fr-FR" sz="1400" dirty="0" smtClean="0"/>
-                        <a:t>Requête SSAS de chiffrage des volumétries des cuboïdes</a:t>
-                      </a:r>
-                      <a:r>
-                        <a:rPr lang="fr-FR" sz="1400" dirty="0" smtClean="0"/>
-                        <a:t>.</a:t>
-                      </a:r>
-                      <a:endParaRPr lang="fr-FR" sz="1400" dirty="0" smtClean="0"/>
-                    </a:p>
-                  </a:txBody>
-                  <a:tcPr/>
-                </a:tc>
-                <a:tc>
-                  <a:txBody>
-                    <a:bodyPr/>
-                    <a:lstStyle/>
-                    <a:p>
-                      <a:pPr algn="l"/>
-                      <a:r>
-                        <a:rPr lang="fr-FR" sz="1400" b="1" u="sng" dirty="0" smtClean="0"/>
-                        <a:t>A faire ?</a:t>
-                      </a:r>
-                    </a:p>
-                    <a:p>
-                      <a:pPr algn="l"/>
-                      <a:r>
-                        <a:rPr lang="fr-FR" sz="1400" b="0" baseline="0" dirty="0" smtClean="0"/>
-                        <a:t>Coder l’</a:t>
-                      </a:r>
-                      <a:r>
-                        <a:rPr lang="fr-FR" sz="1400" b="0" baseline="0" dirty="0" err="1" smtClean="0"/>
-                        <a:t>algo</a:t>
-                      </a:r>
-                      <a:r>
-                        <a:rPr lang="fr-FR" sz="1400" b="0" baseline="0" dirty="0" smtClean="0"/>
-                        <a:t> de matérialisation partielle + Récupérer les infos des dimensions 1D</a:t>
-                      </a:r>
-                      <a:endParaRPr lang="fr-FR" sz="1400" b="0" dirty="0" smtClean="0"/>
-                    </a:p>
-                  </a:txBody>
-                  <a:tcPr/>
-                </a:tc>
-              </a:tr>
-              <a:tr h="529333">
-                <a:tc>
-                  <a:txBody>
-                    <a:bodyPr/>
-                    <a:lstStyle/>
-                    <a:p>
-                      <a:pPr algn="l"/>
-                      <a:r>
-                        <a:rPr lang="fr-FR" sz="1400" b="1" u="sng" dirty="0" smtClean="0"/>
-                        <a:t>Problème</a:t>
-                      </a:r>
-                      <a:r>
-                        <a:rPr lang="fr-FR" sz="1400" b="1" u="sng" baseline="0" dirty="0" smtClean="0"/>
-                        <a:t> ?</a:t>
-                      </a:r>
-                    </a:p>
-                    <a:p>
-                      <a:pPr algn="l"/>
-                      <a:r>
-                        <a:rPr lang="fr-FR" sz="1400" b="0" baseline="0" dirty="0" smtClean="0"/>
-                        <a:t>-</a:t>
-                      </a:r>
-                      <a:endParaRPr lang="fr-FR" sz="1400" b="0" baseline="0" dirty="0" smtClean="0"/>
-                    </a:p>
-                  </a:txBody>
-                  <a:tcPr/>
-                </a:tc>
-                <a:tc>
-                  <a:txBody>
-                    <a:bodyPr/>
-                    <a:lstStyle/>
-                    <a:p>
-                      <a:pPr algn="l"/>
-                      <a:r>
-                        <a:rPr lang="fr-FR" sz="1400" b="1" u="sng" dirty="0" smtClean="0"/>
-                        <a:t>Problème</a:t>
-                      </a:r>
-                      <a:r>
-                        <a:rPr lang="fr-FR" sz="1400" b="1" u="sng" baseline="0" dirty="0" smtClean="0"/>
-                        <a:t> ?</a:t>
-                      </a:r>
-                    </a:p>
-                    <a:p>
-                      <a:pPr algn="l"/>
-                      <a:r>
-                        <a:rPr lang="fr-FR" sz="1400" b="0" baseline="0" dirty="0" smtClean="0"/>
-                        <a:t>-</a:t>
-                      </a:r>
-                      <a:endParaRPr lang="fr-FR" sz="1400" b="0" baseline="0" dirty="0" smtClean="0"/>
-                    </a:p>
-                  </a:txBody>
-                  <a:tcPr/>
-                </a:tc>
-                <a:tc>
-                  <a:txBody>
-                    <a:bodyPr/>
-                    <a:lstStyle/>
-                    <a:p>
-                      <a:pPr algn="l"/>
-                      <a:r>
-                        <a:rPr lang="fr-FR" sz="1400" b="1" u="sng" dirty="0" smtClean="0"/>
-                        <a:t>Problème</a:t>
-                      </a:r>
-                      <a:r>
-                        <a:rPr lang="fr-FR" sz="1400" b="1" u="sng" baseline="0" dirty="0" smtClean="0"/>
-                        <a:t> ?</a:t>
-                      </a:r>
-                    </a:p>
-                    <a:p>
-                      <a:pPr algn="l"/>
-                      <a:r>
-                        <a:rPr lang="fr-FR" sz="1400" b="0" baseline="0" dirty="0" smtClean="0"/>
-                        <a:t>-</a:t>
-                      </a:r>
-                    </a:p>
-                  </a:txBody>
-                  <a:tcPr/>
-                </a:tc>
-              </a:tr>
-              <a:tr h="529333">
-                <a:tc>
-                  <a:txBody>
-                    <a:bodyPr/>
-                    <a:lstStyle/>
-                    <a:p>
-                      <a:pPr algn="l"/>
-                      <a:r>
-                        <a:rPr lang="fr-FR" sz="1400" b="1" u="sng" baseline="0" dirty="0" smtClean="0"/>
-                        <a:t>Remarques ?</a:t>
-                      </a:r>
-                    </a:p>
-                    <a:p>
-                      <a:pPr algn="l"/>
-                      <a:r>
-                        <a:rPr lang="fr-FR" sz="1400" b="0" baseline="0" dirty="0" smtClean="0"/>
-                        <a:t>-</a:t>
-                      </a:r>
-                      <a:endParaRPr lang="fr-FR" sz="1400" b="0" baseline="0" dirty="0" smtClean="0"/>
-                    </a:p>
-                  </a:txBody>
-                  <a:tcPr/>
-                </a:tc>
-                <a:tc>
-                  <a:txBody>
-                    <a:bodyPr/>
-                    <a:lstStyle/>
-                    <a:p>
-                      <a:pPr algn="l"/>
-                      <a:r>
-                        <a:rPr lang="fr-FR" sz="1400" b="1" u="sng" baseline="0" dirty="0" smtClean="0"/>
-                        <a:t>Remarques ?</a:t>
-                      </a:r>
-                    </a:p>
-                    <a:p>
-                      <a:pPr algn="l"/>
-                      <a:r>
-                        <a:rPr lang="fr-FR" sz="1400" b="0" u="none" baseline="0" dirty="0" smtClean="0"/>
-                        <a:t>Regarder TOP COUNT, CROSS JOIN, jonction sur les tuples</a:t>
-                      </a:r>
-                    </a:p>
-                    <a:p>
-                      <a:pPr marL="285750" indent="-285750" algn="l">
-                        <a:buFont typeface="Wingdings" panose="05000000000000000000" pitchFamily="2" charset="2"/>
-                        <a:buChar char="Ø"/>
-                      </a:pPr>
-                      <a:r>
-                        <a:rPr lang="fr-FR" sz="1400" b="0" u="none" baseline="0" dirty="0" smtClean="0"/>
-                        <a:t>Brice va envoyer un mail</a:t>
-                      </a:r>
-                    </a:p>
-                    <a:p>
-                      <a:pPr marL="285750" indent="-285750" algn="l">
-                        <a:buFont typeface="Wingdings" panose="05000000000000000000" pitchFamily="2" charset="2"/>
-                        <a:buChar char="Ø"/>
-                      </a:pPr>
-                      <a:r>
-                        <a:rPr lang="fr-FR" sz="1400" b="0" u="none" baseline="0" dirty="0" smtClean="0"/>
-                        <a:t>Regarder le PPT de Bernard</a:t>
-                      </a:r>
-                      <a:endParaRPr lang="fr-FR" sz="1400" b="0" u="none" baseline="0" dirty="0" smtClean="0"/>
-                    </a:p>
-                  </a:txBody>
-                  <a:tcPr/>
-                </a:tc>
-                <a:tc>
-                  <a:txBody>
-                    <a:bodyPr/>
-                    <a:lstStyle/>
-                    <a:p>
-                      <a:pPr algn="l"/>
-                      <a:r>
-                        <a:rPr lang="fr-FR" sz="1400" b="1" u="sng" baseline="0" dirty="0" smtClean="0"/>
-                        <a:t>Remarques ?</a:t>
                       </a:r>
                     </a:p>
                     <a:p>
@@ -7683,6 +7339,335 @@
                         <a:defRPr/>
                       </a:pPr>
                       <a:r>
+                        <a:rPr lang="fr-FR" sz="1400" dirty="0" smtClean="0"/>
+                        <a:t>Requête SSAS de chiffrage des volumétries des cuboïdes.</a:t>
+                      </a:r>
+                    </a:p>
+                  </a:txBody>
+                  <a:tcPr/>
+                </a:tc>
+                <a:tc>
+                  <a:txBody>
+                    <a:bodyPr/>
+                    <a:lstStyle/>
+                    <a:p>
+                      <a:pPr algn="l"/>
+                      <a:r>
+                        <a:rPr lang="fr-FR" sz="1400" b="1" u="sng" dirty="0" smtClean="0"/>
+                        <a:t>Fait ?</a:t>
+                      </a:r>
+                    </a:p>
+                    <a:p>
+                      <a:pPr algn="l"/>
+                      <a:r>
+                        <a:rPr lang="fr-FR" sz="1400" b="0" baseline="0" dirty="0" smtClean="0"/>
+                        <a:t>Dimensions 1D</a:t>
+                      </a:r>
+                    </a:p>
+                  </a:txBody>
+                  <a:tcPr/>
+                </a:tc>
+              </a:tr>
+              <a:tr h="529333">
+                <a:tc>
+                  <a:txBody>
+                    <a:bodyPr/>
+                    <a:lstStyle/>
+                    <a:p>
+                      <a:pPr algn="l"/>
+                      <a:r>
+                        <a:rPr lang="fr-FR" sz="1400" b="1" u="sng" dirty="0" smtClean="0"/>
+                        <a:t>A faire ?</a:t>
+                      </a:r>
+                    </a:p>
+                    <a:p>
+                      <a:pPr algn="l"/>
+                      <a:r>
+                        <a:rPr lang="fr-FR" sz="1400" b="0" baseline="0" dirty="0" smtClean="0">
+                          <a:solidFill>
+                            <a:schemeClr val="tx1"/>
+                          </a:solidFill>
+                        </a:rPr>
+                        <a:t>Envoi </a:t>
+                      </a:r>
+                      <a:r>
+                        <a:rPr lang="fr-FR" sz="1400" b="0" baseline="0" dirty="0" smtClean="0">
+                          <a:solidFill>
+                            <a:schemeClr val="tx1"/>
+                          </a:solidFill>
+                        </a:rPr>
+                        <a:t>du schéma </a:t>
+                      </a:r>
+                      <a:r>
+                        <a:rPr lang="fr-FR" sz="1400" b="0" baseline="0" dirty="0" smtClean="0">
+                          <a:solidFill>
+                            <a:schemeClr val="tx1"/>
+                          </a:solidFill>
+                        </a:rPr>
+                        <a:t>d’agrégats </a:t>
+                      </a:r>
+                      <a:r>
+                        <a:rPr lang="fr-FR" sz="1400" b="0" baseline="0" dirty="0" smtClean="0">
+                          <a:solidFill>
+                            <a:schemeClr val="tx1"/>
+                          </a:solidFill>
+                        </a:rPr>
+                        <a:t>à </a:t>
+                      </a:r>
+                      <a:r>
+                        <a:rPr lang="fr-FR" sz="1400" b="0" baseline="0" dirty="0" smtClean="0">
+                          <a:solidFill>
+                            <a:schemeClr val="tx1"/>
+                          </a:solidFill>
+                        </a:rPr>
+                        <a:t>SSAS via AMO, sinon contournement par XMLA (Point de jeudi)</a:t>
+                      </a:r>
+                    </a:p>
+                  </a:txBody>
+                  <a:tcPr/>
+                </a:tc>
+                <a:tc>
+                  <a:txBody>
+                    <a:bodyPr/>
+                    <a:lstStyle/>
+                    <a:p>
+                      <a:pPr algn="l"/>
+                      <a:r>
+                        <a:rPr lang="fr-FR" sz="1400" b="1" u="sng" dirty="0" smtClean="0"/>
+                        <a:t>A faire </a:t>
+                      </a:r>
+                      <a:r>
+                        <a:rPr lang="fr-FR" sz="1400" b="1" u="sng" dirty="0" smtClean="0"/>
+                        <a:t>?</a:t>
+                      </a:r>
+                    </a:p>
+                    <a:p>
+                      <a:pPr algn="l"/>
+                      <a:r>
+                        <a:rPr lang="fr-FR" sz="1400" b="0" u="none" dirty="0" smtClean="0"/>
+                        <a:t>Intégration</a:t>
+                      </a:r>
+                      <a:r>
+                        <a:rPr lang="fr-FR" sz="1400" b="0" u="none" baseline="0" dirty="0" smtClean="0"/>
+                        <a:t> dans le socle</a:t>
+                      </a:r>
+                      <a:endParaRPr lang="fr-FR" sz="1400" b="0" u="none" dirty="0" smtClean="0"/>
+                    </a:p>
+                  </a:txBody>
+                  <a:tcPr/>
+                </a:tc>
+                <a:tc>
+                  <a:txBody>
+                    <a:bodyPr/>
+                    <a:lstStyle/>
+                    <a:p>
+                      <a:pPr algn="l"/>
+                      <a:r>
+                        <a:rPr lang="fr-FR" sz="1400" b="1" u="sng" dirty="0" smtClean="0"/>
+                        <a:t>A faire ?</a:t>
+                      </a:r>
+                    </a:p>
+                    <a:p>
+                      <a:pPr algn="l"/>
+                      <a:r>
+                        <a:rPr lang="fr-FR" sz="1400" b="0" baseline="0" dirty="0" smtClean="0"/>
+                        <a:t>Coder l’</a:t>
+                      </a:r>
+                      <a:r>
+                        <a:rPr lang="fr-FR" sz="1400" b="0" baseline="0" dirty="0" err="1" smtClean="0"/>
+                        <a:t>algo</a:t>
+                      </a:r>
+                      <a:r>
+                        <a:rPr lang="fr-FR" sz="1400" b="0" baseline="0" dirty="0" smtClean="0"/>
+                        <a:t> de matérialisation </a:t>
+                      </a:r>
+                      <a:r>
+                        <a:rPr lang="fr-FR" sz="1400" b="0" baseline="0" dirty="0" smtClean="0"/>
+                        <a:t>partielle</a:t>
+                      </a:r>
+                    </a:p>
+                    <a:p>
+                      <a:pPr algn="l"/>
+                      <a:r>
+                        <a:rPr lang="fr-FR" sz="1400" b="0" baseline="0" dirty="0" smtClean="0"/>
+                        <a:t>Récupérer le XMLA du schéma d’agrégat</a:t>
+                      </a:r>
+                      <a:endParaRPr lang="fr-FR" sz="1400" b="0" dirty="0" smtClean="0"/>
+                    </a:p>
+                  </a:txBody>
+                  <a:tcPr/>
+                </a:tc>
+              </a:tr>
+              <a:tr h="529333">
+                <a:tc>
+                  <a:txBody>
+                    <a:bodyPr/>
+                    <a:lstStyle/>
+                    <a:p>
+                      <a:pPr algn="l"/>
+                      <a:r>
+                        <a:rPr lang="fr-FR" sz="1400" b="1" u="sng" dirty="0" smtClean="0"/>
+                        <a:t>Problème</a:t>
+                      </a:r>
+                      <a:r>
+                        <a:rPr lang="fr-FR" sz="1400" b="1" u="sng" baseline="0" dirty="0" smtClean="0"/>
+                        <a:t> ?</a:t>
+                      </a:r>
+                    </a:p>
+                    <a:p>
+                      <a:pPr algn="l"/>
+                      <a:r>
+                        <a:rPr lang="fr-FR" sz="1400" b="0" baseline="0" dirty="0" smtClean="0"/>
+                        <a:t>-</a:t>
+                      </a:r>
+                      <a:endParaRPr lang="fr-FR" sz="1400" b="0" baseline="0" dirty="0" smtClean="0"/>
+                    </a:p>
+                  </a:txBody>
+                  <a:tcPr/>
+                </a:tc>
+                <a:tc>
+                  <a:txBody>
+                    <a:bodyPr/>
+                    <a:lstStyle/>
+                    <a:p>
+                      <a:pPr algn="l"/>
+                      <a:r>
+                        <a:rPr lang="fr-FR" sz="1400" b="1" u="sng" dirty="0" smtClean="0"/>
+                        <a:t>Problème</a:t>
+                      </a:r>
+                      <a:r>
+                        <a:rPr lang="fr-FR" sz="1400" b="1" u="sng" baseline="0" dirty="0" smtClean="0"/>
+                        <a:t> ?</a:t>
+                      </a:r>
+                    </a:p>
+                    <a:p>
+                      <a:pPr algn="l"/>
+                      <a:r>
+                        <a:rPr lang="fr-FR" sz="1400" b="0" baseline="0" dirty="0" smtClean="0"/>
+                        <a:t>-</a:t>
+                      </a:r>
+                      <a:endParaRPr lang="fr-FR" sz="1400" b="0" baseline="0" dirty="0" smtClean="0"/>
+                    </a:p>
+                  </a:txBody>
+                  <a:tcPr/>
+                </a:tc>
+                <a:tc>
+                  <a:txBody>
+                    <a:bodyPr/>
+                    <a:lstStyle/>
+                    <a:p>
+                      <a:pPr algn="l"/>
+                      <a:r>
+                        <a:rPr lang="fr-FR" sz="1400" b="1" u="sng" dirty="0" smtClean="0"/>
+                        <a:t>Problème</a:t>
+                      </a:r>
+                      <a:r>
+                        <a:rPr lang="fr-FR" sz="1400" b="1" u="sng" baseline="0" dirty="0" smtClean="0"/>
+                        <a:t> ?</a:t>
+                      </a:r>
+                    </a:p>
+                    <a:p>
+                      <a:pPr algn="l"/>
+                      <a:r>
+                        <a:rPr lang="fr-FR" sz="1400" b="0" baseline="0" dirty="0" smtClean="0"/>
+                        <a:t>-</a:t>
+                      </a:r>
+                    </a:p>
+                  </a:txBody>
+                  <a:tcPr/>
+                </a:tc>
+              </a:tr>
+              <a:tr h="529333">
+                <a:tc>
+                  <a:txBody>
+                    <a:bodyPr/>
+                    <a:lstStyle/>
+                    <a:p>
+                      <a:pPr algn="l"/>
+                      <a:r>
+                        <a:rPr lang="fr-FR" sz="1400" b="1" u="sng" baseline="0" dirty="0" smtClean="0"/>
+                        <a:t>Remarques ?</a:t>
+                      </a:r>
+                    </a:p>
+                    <a:p>
+                      <a:pPr algn="l"/>
+                      <a:r>
+                        <a:rPr lang="fr-FR" sz="1400" b="0" baseline="0" dirty="0" smtClean="0">
+                          <a:solidFill>
+                            <a:schemeClr val="tx1"/>
+                          </a:solidFill>
+                        </a:rPr>
+                        <a:t>Comparer les XMLA : AMO &amp; </a:t>
+                      </a:r>
+                      <a:r>
+                        <a:rPr lang="fr-FR" sz="1400" b="0" baseline="0" dirty="0" err="1" smtClean="0">
+                          <a:solidFill>
+                            <a:schemeClr val="tx1"/>
+                          </a:solidFill>
+                        </a:rPr>
+                        <a:t>Wizard</a:t>
+                      </a:r>
+                      <a:endParaRPr lang="fr-FR" sz="1400" b="0" dirty="0" smtClean="0">
+                        <a:solidFill>
+                          <a:schemeClr val="tx1"/>
+                        </a:solidFill>
+                      </a:endParaRPr>
+                    </a:p>
+                  </a:txBody>
+                  <a:tcPr/>
+                </a:tc>
+                <a:tc>
+                  <a:txBody>
+                    <a:bodyPr/>
+                    <a:lstStyle/>
+                    <a:p>
+                      <a:pPr algn="l"/>
+                      <a:r>
+                        <a:rPr lang="fr-FR" sz="1400" b="1" u="sng" baseline="0" dirty="0" smtClean="0"/>
+                        <a:t>Remarques ?</a:t>
+                      </a:r>
+                    </a:p>
+                    <a:p>
+                      <a:pPr algn="l"/>
+                      <a:r>
+                        <a:rPr lang="fr-FR" sz="1400" b="0" u="none" baseline="0" dirty="0" smtClean="0"/>
+                        <a:t>Gestion des NULL dans les agrégats ?</a:t>
+                      </a:r>
+                      <a:endParaRPr lang="fr-FR" sz="1400" b="0" u="none" baseline="0" dirty="0" smtClean="0"/>
+                    </a:p>
+                  </a:txBody>
+                  <a:tcPr/>
+                </a:tc>
+                <a:tc>
+                  <a:txBody>
+                    <a:bodyPr/>
+                    <a:lstStyle/>
+                    <a:p>
+                      <a:pPr algn="l"/>
+                      <a:r>
+                        <a:rPr lang="fr-FR" sz="1400" b="1" u="sng" baseline="0" dirty="0" smtClean="0"/>
+                        <a:t>Remarques ?</a:t>
+                      </a:r>
+                    </a:p>
+                    <a:p>
+                      <a:pPr marL="0" marR="0" indent="0" algn="l" defTabSz="914400" rtl="0" eaLnBrk="1" fontAlgn="auto" latinLnBrk="0" hangingPunct="1">
+                        <a:lnSpc>
+                          <a:spcPct val="100000"/>
+                        </a:lnSpc>
+                        <a:spcBef>
+                          <a:spcPts val="0"/>
+                        </a:spcBef>
+                        <a:spcAft>
+                          <a:spcPts val="0"/>
+                        </a:spcAft>
+                        <a:buClrTx/>
+                        <a:buSzTx/>
+                        <a:buFontTx/>
+                        <a:buNone/>
+                        <a:tabLst/>
+                        <a:defRPr/>
+                      </a:pPr>
+                      <a:r>
                         <a:rPr lang="fr-FR" sz="1400" b="0" baseline="0" dirty="0" smtClean="0"/>
                         <a:t>-</a:t>
                       </a:r>
@@ -7704,7 +7689,7 @@
         <p:spPr>
           <a:xfrm>
             <a:off x="611560" y="620688"/>
-            <a:ext cx="5149487" cy="369332"/>
+            <a:ext cx="5144678" cy="369332"/>
           </a:xfrm>
           <a:prstGeom prst="rect">
             <a:avLst/>
@@ -7726,7 +7711,11 @@
             </a:pPr>
             <a:r>
               <a:rPr lang="fr-FR" b="1" dirty="0" smtClean="0"/>
-              <a:t>Tâches jusqu’au prochain point du lundi 10/08/2015</a:t>
+              <a:t>Tâches jusqu’au prochain point du </a:t>
+            </a:r>
+            <a:r>
+              <a:rPr lang="fr-FR" b="1" dirty="0" smtClean="0"/>
+              <a:t>jeudi 13/08/2015</a:t>
             </a:r>
             <a:endParaRPr lang="fr-FR" sz="1400" b="1" u="sng" dirty="0" smtClean="0"/>
           </a:p>
@@ -7778,7 +7767,7 @@
         <p:spPr>
           <a:xfrm>
             <a:off x="827584" y="5857527"/>
-            <a:ext cx="7920880" cy="307777"/>
+            <a:ext cx="7920880" cy="738664"/>
           </a:xfrm>
           <a:prstGeom prst="rect">
             <a:avLst/>
@@ -7805,9 +7794,39 @@
           <a:lstStyle/>
           <a:p>
             <a:r>
+              <a:rPr lang="fr-FR" sz="1400" b="1" dirty="0" smtClean="0"/>
+              <a:t>Thomas &amp; Olivier </a:t>
+            </a:r>
+            <a:r>
               <a:rPr lang="fr-FR" sz="1400" dirty="0" smtClean="0"/>
-              <a:t>-</a:t>
-            </a:r>
+              <a:t>: Intégration SOCLE + </a:t>
+            </a:r>
+            <a:r>
+              <a:rPr lang="fr-FR" sz="1400" dirty="0" err="1" smtClean="0"/>
+              <a:t>algos</a:t>
+            </a:r>
+            <a:endParaRPr lang="fr-FR" sz="1400" dirty="0" smtClean="0"/>
+          </a:p>
+          <a:p>
+            <a:r>
+              <a:rPr lang="fr-FR" sz="1400" b="1" dirty="0" smtClean="0"/>
+              <a:t>Cédric</a:t>
+            </a:r>
+            <a:r>
+              <a:rPr lang="fr-FR" sz="1400" dirty="0" smtClean="0"/>
+              <a:t> : Partie AMO sur génération agrégats</a:t>
+            </a:r>
+          </a:p>
+          <a:p>
+            <a:r>
+              <a:rPr lang="fr-FR" sz="1400" b="1" dirty="0" smtClean="0"/>
+              <a:t>Thomas &amp; Olivier </a:t>
+            </a:r>
+            <a:r>
+              <a:rPr lang="fr-FR" sz="1400" dirty="0" smtClean="0"/>
+              <a:t>: XMLA de l’assistant d’agrégats SSDT</a:t>
+            </a:r>
+            <a:endParaRPr lang="fr-FR" sz="1400" dirty="0" smtClean="0"/>
           </a:p>
         </p:txBody>
       </p:sp>
@@ -7850,518 +7869,6 @@
       </p:grpSpPr>
       <p:sp>
         <p:nvSpPr>
-          <p:cNvPr id="5" name="ZoneTexte 4"/>
-          <p:cNvSpPr txBox="1"/>
-          <p:nvPr/>
-        </p:nvSpPr>
-        <p:spPr>
-          <a:xfrm>
-            <a:off x="107504" y="107340"/>
-            <a:ext cx="2176365" cy="369332"/>
-          </a:xfrm>
-          <a:prstGeom prst="rect">
-            <a:avLst/>
-          </a:prstGeom>
-        </p:spPr>
-        <p:style>
-          <a:lnRef idx="0">
-            <a:schemeClr val="accent1"/>
-          </a:lnRef>
-          <a:fillRef idx="3">
-            <a:schemeClr val="accent1"/>
-          </a:fillRef>
-          <a:effectRef idx="3">
-            <a:schemeClr val="accent1"/>
-          </a:effectRef>
-          <a:fontRef idx="minor">
-            <a:schemeClr val="lt1"/>
-          </a:fontRef>
-        </p:style>
-        <p:txBody>
-          <a:bodyPr wrap="none" rtlCol="0">
-            <a:spAutoFit/>
-          </a:bodyPr>
-          <a:lstStyle/>
-          <a:p>
-            <a:r>
-              <a:rPr lang="fr-FR" dirty="0" smtClean="0"/>
-              <a:t>Points du </a:t>
-            </a:r>
-            <a:r>
-              <a:rPr lang="fr-FR" dirty="0" smtClean="0"/>
-              <a:t>chantier C#</a:t>
-            </a:r>
-            <a:endParaRPr lang="fr-FR" dirty="0"/>
-          </a:p>
-        </p:txBody>
-      </p:sp>
-      <p:sp>
-        <p:nvSpPr>
-          <p:cNvPr id="7" name="Rectangle 6"/>
-          <p:cNvSpPr/>
-          <p:nvPr/>
-        </p:nvSpPr>
-        <p:spPr>
-          <a:xfrm>
-            <a:off x="755576" y="5497487"/>
-            <a:ext cx="1462388" cy="369332"/>
-          </a:xfrm>
-          <a:prstGeom prst="rect">
-            <a:avLst/>
-          </a:prstGeom>
-        </p:spPr>
-        <p:txBody>
-          <a:bodyPr wrap="none">
-            <a:spAutoFit/>
-          </a:bodyPr>
-          <a:lstStyle/>
-          <a:p>
-            <a:pPr>
-              <a:spcBef>
-                <a:spcPts val="300"/>
-              </a:spcBef>
-              <a:spcAft>
-                <a:spcPts val="300"/>
-              </a:spcAft>
-            </a:pPr>
-            <a:r>
-              <a:rPr lang="fr-FR" b="1" dirty="0" smtClean="0"/>
-              <a:t>Autres points</a:t>
-            </a:r>
-            <a:endParaRPr lang="fr-FR" sz="1400" b="1" u="sng" dirty="0" smtClean="0"/>
-          </a:p>
-        </p:txBody>
-      </p:sp>
-      <p:sp>
-        <p:nvSpPr>
-          <p:cNvPr id="8" name="ZoneTexte 7"/>
-          <p:cNvSpPr txBox="1"/>
-          <p:nvPr/>
-        </p:nvSpPr>
-        <p:spPr>
-          <a:xfrm>
-            <a:off x="827584" y="5857527"/>
-            <a:ext cx="7920880" cy="307777"/>
-          </a:xfrm>
-          <a:prstGeom prst="rect">
-            <a:avLst/>
-          </a:prstGeom>
-        </p:spPr>
-        <p:style>
-          <a:lnRef idx="1">
-            <a:schemeClr val="accent5"/>
-          </a:lnRef>
-          <a:fillRef idx="2">
-            <a:schemeClr val="accent5"/>
-          </a:fillRef>
-          <a:effectRef idx="1">
-            <a:schemeClr val="accent5"/>
-          </a:effectRef>
-          <a:fontRef idx="minor">
-            <a:schemeClr val="dk1"/>
-          </a:fontRef>
-        </p:style>
-        <p:txBody>
-          <a:bodyPr wrap="square" rtlCol="0">
-            <a:spAutoFit/>
-          </a:bodyPr>
-          <a:lstStyle/>
-          <a:p>
-            <a:r>
-              <a:rPr lang="fr-FR" sz="1400" dirty="0" smtClean="0"/>
-              <a:t>-</a:t>
-            </a:r>
-          </a:p>
-        </p:txBody>
-      </p:sp>
-      <p:sp>
-        <p:nvSpPr>
-          <p:cNvPr id="2" name="Rectangle 1"/>
-          <p:cNvSpPr/>
-          <p:nvPr/>
-        </p:nvSpPr>
-        <p:spPr>
-          <a:xfrm>
-            <a:off x="323528" y="908721"/>
-            <a:ext cx="8136904" cy="4216539"/>
-          </a:xfrm>
-          <a:prstGeom prst="rect">
-            <a:avLst/>
-          </a:prstGeom>
-        </p:spPr>
-        <p:txBody>
-          <a:bodyPr wrap="square">
-            <a:spAutoFit/>
-          </a:bodyPr>
-          <a:lstStyle/>
-          <a:p>
-            <a:pPr marL="342900" indent="-342900">
-              <a:spcBef>
-                <a:spcPts val="600"/>
-              </a:spcBef>
-              <a:spcAft>
-                <a:spcPts val="600"/>
-              </a:spcAft>
-              <a:buFont typeface="+mj-lt"/>
-              <a:buAutoNum type="arabicPeriod"/>
-            </a:pPr>
-            <a:r>
-              <a:rPr lang="fr-FR" sz="1600" b="1" dirty="0">
-                <a:solidFill>
-                  <a:srgbClr val="000000"/>
-                </a:solidFill>
-                <a:latin typeface="times new roman" panose="02020603050405020304" pitchFamily="18" charset="0"/>
-              </a:rPr>
-              <a:t>Tronc </a:t>
-            </a:r>
-            <a:r>
-              <a:rPr lang="fr-FR" sz="1600" dirty="0">
-                <a:solidFill>
-                  <a:srgbClr val="000000"/>
-                </a:solidFill>
-                <a:latin typeface="times new roman" panose="02020603050405020304" pitchFamily="18" charset="0"/>
-              </a:rPr>
-              <a:t>: Va chercher les infos des dimensions 1D : Liste de {Nom, Taille, count}</a:t>
-            </a:r>
-          </a:p>
-          <a:p>
-            <a:pPr marL="342900" indent="-342900">
-              <a:spcBef>
-                <a:spcPts val="600"/>
-              </a:spcBef>
-              <a:spcAft>
-                <a:spcPts val="600"/>
-              </a:spcAft>
-              <a:buFont typeface="+mj-lt"/>
-              <a:buAutoNum type="arabicPeriod"/>
-            </a:pPr>
-            <a:r>
-              <a:rPr lang="fr-FR" sz="1600" b="1" dirty="0">
-                <a:solidFill>
-                  <a:srgbClr val="000000"/>
-                </a:solidFill>
-                <a:latin typeface="times new roman" panose="02020603050405020304" pitchFamily="18" charset="0"/>
-              </a:rPr>
-              <a:t>Tronc </a:t>
-            </a:r>
-            <a:r>
-              <a:rPr lang="fr-FR" sz="1600" dirty="0">
-                <a:solidFill>
-                  <a:srgbClr val="000000"/>
-                </a:solidFill>
-                <a:latin typeface="times new roman" panose="02020603050405020304" pitchFamily="18" charset="0"/>
-              </a:rPr>
-              <a:t>: Appel </a:t>
-            </a:r>
-            <a:r>
-              <a:rPr lang="fr-FR" sz="1600" dirty="0" smtClean="0">
-                <a:solidFill>
-                  <a:srgbClr val="000000"/>
-                </a:solidFill>
-                <a:latin typeface="times new roman" panose="02020603050405020304" pitchFamily="18" charset="0"/>
-              </a:rPr>
-              <a:t>l'algorithme </a:t>
-            </a:r>
-            <a:r>
-              <a:rPr lang="fr-FR" sz="1600" dirty="0">
-                <a:solidFill>
-                  <a:srgbClr val="000000"/>
-                </a:solidFill>
-                <a:latin typeface="times new roman" panose="02020603050405020304" pitchFamily="18" charset="0"/>
-              </a:rPr>
-              <a:t>de </a:t>
-            </a:r>
-            <a:r>
-              <a:rPr lang="fr-FR" sz="1600" b="1" u="sng" dirty="0">
-                <a:solidFill>
-                  <a:srgbClr val="000000"/>
-                </a:solidFill>
-                <a:latin typeface="times new roman" panose="02020603050405020304" pitchFamily="18" charset="0"/>
-              </a:rPr>
-              <a:t>combinaison </a:t>
-            </a:r>
-            <a:r>
-              <a:rPr lang="fr-FR" sz="1600" dirty="0">
-                <a:solidFill>
-                  <a:srgbClr val="000000"/>
-                </a:solidFill>
-                <a:latin typeface="times new roman" panose="02020603050405020304" pitchFamily="18" charset="0"/>
-              </a:rPr>
-              <a:t>(Qui sera externalisé par WS plus tard) avec ces infos</a:t>
-            </a:r>
-          </a:p>
-          <a:p>
-            <a:pPr marL="342900" indent="-342900">
-              <a:spcBef>
-                <a:spcPts val="600"/>
-              </a:spcBef>
-              <a:spcAft>
-                <a:spcPts val="600"/>
-              </a:spcAft>
-              <a:buFont typeface="+mj-lt"/>
-              <a:buAutoNum type="arabicPeriod"/>
-            </a:pPr>
-            <a:r>
-              <a:rPr lang="fr-FR" sz="1600" b="1" dirty="0" err="1">
-                <a:solidFill>
-                  <a:srgbClr val="000000"/>
-                </a:solidFill>
-                <a:latin typeface="times new roman" panose="02020603050405020304" pitchFamily="18" charset="0"/>
-              </a:rPr>
-              <a:t>Algo</a:t>
-            </a:r>
-            <a:r>
-              <a:rPr lang="fr-FR" sz="1600" b="1" dirty="0">
-                <a:solidFill>
-                  <a:srgbClr val="000000"/>
-                </a:solidFill>
-                <a:latin typeface="times new roman" panose="02020603050405020304" pitchFamily="18" charset="0"/>
-              </a:rPr>
-              <a:t> de combinaison </a:t>
-            </a:r>
-            <a:r>
-              <a:rPr lang="fr-FR" sz="1600" dirty="0">
-                <a:solidFill>
-                  <a:srgbClr val="000000"/>
-                </a:solidFill>
-                <a:latin typeface="times new roman" panose="02020603050405020304" pitchFamily="18" charset="0"/>
-              </a:rPr>
-              <a:t>: Récupère les infos des dimensions 1D, les combine et renvoi au tronc une suite de combinaisons possibles (1D, 2D, 3D, etc...)</a:t>
-            </a:r>
-          </a:p>
-          <a:p>
-            <a:pPr marL="342900" indent="-342900">
-              <a:spcBef>
-                <a:spcPts val="600"/>
-              </a:spcBef>
-              <a:spcAft>
-                <a:spcPts val="600"/>
-              </a:spcAft>
-              <a:buFont typeface="+mj-lt"/>
-              <a:buAutoNum type="arabicPeriod"/>
-            </a:pPr>
-            <a:r>
-              <a:rPr lang="fr-FR" sz="1600" b="1" dirty="0">
-                <a:solidFill>
-                  <a:srgbClr val="000000"/>
-                </a:solidFill>
-                <a:latin typeface="times new roman" panose="02020603050405020304" pitchFamily="18" charset="0"/>
-              </a:rPr>
-              <a:t>Tronc </a:t>
-            </a:r>
-            <a:r>
-              <a:rPr lang="fr-FR" sz="1600" dirty="0">
-                <a:solidFill>
-                  <a:srgbClr val="000000"/>
-                </a:solidFill>
-                <a:latin typeface="times new roman" panose="02020603050405020304" pitchFamily="18" charset="0"/>
-              </a:rPr>
-              <a:t>: Récupère la liste de combinaison puis contacte SSAS pour chiffrage de volumétrie des vues 2D, 3D, etc...</a:t>
-            </a:r>
-          </a:p>
-          <a:p>
-            <a:pPr marL="342900" indent="-342900">
-              <a:spcBef>
-                <a:spcPts val="600"/>
-              </a:spcBef>
-              <a:spcAft>
-                <a:spcPts val="600"/>
-              </a:spcAft>
-              <a:buFont typeface="+mj-lt"/>
-              <a:buAutoNum type="arabicPeriod"/>
-            </a:pPr>
-            <a:r>
-              <a:rPr lang="fr-FR" sz="1600" b="1" dirty="0">
-                <a:solidFill>
-                  <a:srgbClr val="000000"/>
-                </a:solidFill>
-                <a:latin typeface="times new roman" panose="02020603050405020304" pitchFamily="18" charset="0"/>
-              </a:rPr>
-              <a:t>Tronc </a:t>
-            </a:r>
-            <a:r>
-              <a:rPr lang="fr-FR" sz="1600" dirty="0">
-                <a:solidFill>
-                  <a:srgbClr val="000000"/>
-                </a:solidFill>
-                <a:latin typeface="times new roman" panose="02020603050405020304" pitchFamily="18" charset="0"/>
-              </a:rPr>
-              <a:t>: Appel des </a:t>
-            </a:r>
-            <a:r>
-              <a:rPr lang="fr-FR" sz="1600" dirty="0" err="1">
-                <a:solidFill>
-                  <a:srgbClr val="000000"/>
-                </a:solidFill>
-                <a:latin typeface="times new roman" panose="02020603050405020304" pitchFamily="18" charset="0"/>
-              </a:rPr>
-              <a:t>algos</a:t>
-            </a:r>
-            <a:r>
-              <a:rPr lang="fr-FR" sz="1600" dirty="0">
-                <a:solidFill>
-                  <a:srgbClr val="000000"/>
-                </a:solidFill>
-                <a:latin typeface="times new roman" panose="02020603050405020304" pitchFamily="18" charset="0"/>
-              </a:rPr>
-              <a:t> </a:t>
-            </a:r>
-            <a:r>
-              <a:rPr lang="fr-FR" sz="1600" b="1" u="sng" dirty="0">
-                <a:solidFill>
-                  <a:srgbClr val="000000"/>
-                </a:solidFill>
-                <a:latin typeface="times new roman" panose="02020603050405020304" pitchFamily="18" charset="0"/>
-              </a:rPr>
-              <a:t>d'optimisation </a:t>
-            </a:r>
-            <a:r>
-              <a:rPr lang="fr-FR" sz="1600" dirty="0">
-                <a:solidFill>
-                  <a:srgbClr val="000000"/>
-                </a:solidFill>
-                <a:latin typeface="times new roman" panose="02020603050405020304" pitchFamily="18" charset="0"/>
-              </a:rPr>
-              <a:t>avec  les infos des dimensions : Liste de {Nom, Taille, count} où nom = {"DIM_VILLES", "DIM_CLIENTS" ... , "DIM_VILLES - DIM_CLIENTS", ...}</a:t>
-            </a:r>
-          </a:p>
-          <a:p>
-            <a:pPr marL="342900" indent="-342900">
-              <a:spcBef>
-                <a:spcPts val="600"/>
-              </a:spcBef>
-              <a:spcAft>
-                <a:spcPts val="600"/>
-              </a:spcAft>
-              <a:buFont typeface="+mj-lt"/>
-              <a:buAutoNum type="arabicPeriod"/>
-            </a:pPr>
-            <a:r>
-              <a:rPr lang="fr-FR" sz="1600" b="1" dirty="0" err="1">
-                <a:solidFill>
-                  <a:srgbClr val="000000"/>
-                </a:solidFill>
-                <a:latin typeface="times new roman" panose="02020603050405020304" pitchFamily="18" charset="0"/>
-              </a:rPr>
-              <a:t>Algo</a:t>
-            </a:r>
-            <a:r>
-              <a:rPr lang="fr-FR" sz="1600" b="1" dirty="0">
-                <a:solidFill>
-                  <a:srgbClr val="000000"/>
-                </a:solidFill>
-                <a:latin typeface="times new roman" panose="02020603050405020304" pitchFamily="18" charset="0"/>
-              </a:rPr>
-              <a:t> d'optimisation</a:t>
-            </a:r>
-            <a:r>
-              <a:rPr lang="fr-FR" sz="1600" dirty="0">
-                <a:solidFill>
-                  <a:srgbClr val="000000"/>
-                </a:solidFill>
-                <a:latin typeface="times new roman" panose="02020603050405020304" pitchFamily="18" charset="0"/>
-              </a:rPr>
-              <a:t> : Fait son boulot et renvoi au tronc une liste des combinaisons à </a:t>
-            </a:r>
-            <a:r>
-              <a:rPr lang="fr-FR" sz="1600" dirty="0" smtClean="0">
-                <a:solidFill>
-                  <a:srgbClr val="000000"/>
-                </a:solidFill>
-                <a:latin typeface="times new roman" panose="02020603050405020304" pitchFamily="18" charset="0"/>
-              </a:rPr>
-              <a:t>matérialiser</a:t>
-            </a:r>
-          </a:p>
-          <a:p>
-            <a:pPr marL="342900" indent="-342900">
-              <a:spcBef>
-                <a:spcPts val="600"/>
-              </a:spcBef>
-              <a:spcAft>
-                <a:spcPts val="600"/>
-              </a:spcAft>
-              <a:buFont typeface="+mj-lt"/>
-              <a:buAutoNum type="arabicPeriod"/>
-            </a:pPr>
-            <a:r>
-              <a:rPr lang="fr-FR" sz="1600" b="1" i="0" dirty="0" smtClean="0">
-                <a:solidFill>
-                  <a:srgbClr val="000000"/>
-                </a:solidFill>
-                <a:effectLst/>
-                <a:latin typeface="times new roman" panose="02020603050405020304" pitchFamily="18" charset="0"/>
-              </a:rPr>
-              <a:t>Tronc</a:t>
-            </a:r>
-            <a:r>
-              <a:rPr lang="fr-FR" sz="1600" b="0" i="0" dirty="0" smtClean="0">
-                <a:solidFill>
-                  <a:srgbClr val="000000"/>
-                </a:solidFill>
-                <a:effectLst/>
-                <a:latin typeface="times new roman" panose="02020603050405020304" pitchFamily="18" charset="0"/>
-              </a:rPr>
-              <a:t> : Construction et envoi de la requête</a:t>
-            </a:r>
-            <a:r>
-              <a:rPr lang="fr-FR" sz="1600" dirty="0" smtClean="0">
-                <a:solidFill>
-                  <a:srgbClr val="000000"/>
-                </a:solidFill>
-                <a:latin typeface="times new roman" panose="02020603050405020304" pitchFamily="18" charset="0"/>
-              </a:rPr>
-              <a:t> pour matérialiser le cube</a:t>
-            </a:r>
-            <a:endParaRPr lang="fr-FR" sz="1600" b="0" i="0" dirty="0">
-              <a:solidFill>
-                <a:srgbClr val="000000"/>
-              </a:solidFill>
-              <a:effectLst/>
-              <a:latin typeface="times new roman" panose="02020603050405020304" pitchFamily="18" charset="0"/>
-            </a:endParaRPr>
-          </a:p>
-        </p:txBody>
-      </p:sp>
-    </p:spTree>
-    <p:extLst>
-      <p:ext uri="{BB962C8B-B14F-4D97-AF65-F5344CB8AC3E}">
-        <p14:creationId xmlns:p14="http://schemas.microsoft.com/office/powerpoint/2010/main" val="1240536885"/>
-      </p:ext>
-    </p:extLst>
-  </p:cSld>
-  <p:clrMapOvr>
-    <a:masterClrMapping/>
-  </p:clrMapOvr>
-  <p:timing>
-    <p:tnLst>
-      <p:par>
-        <p:cTn id="1" dur="indefinite" restart="never" nodeType="tmRoot"/>
-      </p:par>
-    </p:tnLst>
-  </p:timing>
-</p:sld>
-</file>
-
-<file path=ppt/slides/slide9.xml><?xml version="1.0" encoding="utf-8"?>
-<p:sld xmlns:a="http://schemas.openxmlformats.org/drawingml/2006/main" xmlns:r="http://schemas.openxmlformats.org/officeDocument/2006/relationships" xmlns:p="http://schemas.openxmlformats.org/presentationml/2006/main">
-  <p:cSld>
-    <p:spTree>
-      <p:nvGrpSpPr>
-        <p:cNvPr id="1" name=""/>
-        <p:cNvGrpSpPr/>
-        <p:nvPr/>
-      </p:nvGrpSpPr>
-      <p:grpSpPr>
-        <a:xfrm>
-          <a:off x="0" y="0"/>
-          <a:ext cx="0" cy="0"/>
-          <a:chOff x="0" y="0"/>
-          <a:chExt cx="0" cy="0"/>
-        </a:xfrm>
-      </p:grpSpPr>
-      <p:sp>
-        <p:nvSpPr>
           <p:cNvPr id="4" name="ZoneTexte 3"/>
           <p:cNvSpPr txBox="1"/>
           <p:nvPr/>
@@ -8405,7 +7912,15 @@
             <a:pPr algn="ctr"/>
             <a:r>
               <a:rPr lang="fr-FR" sz="4000" dirty="0" smtClean="0"/>
-              <a:t>Lundi 10/08 21H00 </a:t>
+              <a:t>Jeu</a:t>
+            </a:r>
+            <a:r>
+              <a:rPr lang="fr-FR" sz="4000" dirty="0" smtClean="0"/>
+              <a:t>di 13/08 </a:t>
+            </a:r>
+            <a:r>
+              <a:rPr lang="fr-FR" sz="4000" dirty="0" smtClean="0"/>
+              <a:t>21H00 </a:t>
             </a:r>
           </a:p>
         </p:txBody>
